--- a/Projeto Cerberus.pptx
+++ b/Projeto Cerberus.pptx
@@ -5,16 +5,14 @@
     <p:sldMasterId id="2147483659" r:id="rId1"/>
   </p:sldMasterIdLst>
   <p:notesMasterIdLst>
-    <p:notesMasterId r:id="rId9"/>
+    <p:notesMasterId r:id="rId7"/>
   </p:notesMasterIdLst>
   <p:sldIdLst>
     <p:sldId id="256" r:id="rId2"/>
-    <p:sldId id="257" r:id="rId3"/>
-    <p:sldId id="258" r:id="rId4"/>
-    <p:sldId id="259" r:id="rId5"/>
-    <p:sldId id="260" r:id="rId6"/>
-    <p:sldId id="261" r:id="rId7"/>
-    <p:sldId id="262" r:id="rId8"/>
+    <p:sldId id="258" r:id="rId3"/>
+    <p:sldId id="259" r:id="rId4"/>
+    <p:sldId id="260" r:id="rId5"/>
+    <p:sldId id="262" r:id="rId6"/>
   </p:sldIdLst>
   <p:sldSz cx="9144000" cy="5143500" type="screen16x9"/>
   <p:notesSz cx="6858000" cy="9144000"/>
@@ -264,6 +262,57 @@
     </p:ext>
   </p:extLst>
 </p:presentation>
+</file>
+
+<file path=ppt/revisionInfo.xml><?xml version="1.0" encoding="utf-8"?>
+<p1510:revInfo xmlns:a="http://schemas.openxmlformats.org/drawingml/2006/main" xmlns:r="http://schemas.openxmlformats.org/officeDocument/2006/relationships" xmlns:p1510="http://schemas.microsoft.com/office/powerpoint/2015/10/main">
+  <p1510:revLst>
+    <p1510:client id="{BC0566B0-EF32-4E4E-8339-47B9EC197398}" v="2" dt="2018-10-21T13:17:57.815"/>
+  </p1510:revLst>
+</p1510:revInfo>
+</file>
+
+<file path=ppt/changesInfos/changesInfo1.xml><?xml version="1.0" encoding="utf-8"?>
+<pc:chgInfo xmlns:a="http://schemas.openxmlformats.org/drawingml/2006/main" xmlns:r="http://schemas.openxmlformats.org/officeDocument/2006/relationships" xmlns:ac="http://schemas.microsoft.com/office/drawing/2013/main/command" xmlns:pc="http://schemas.microsoft.com/office/powerpoint/2013/main/command">
+  <pc:docChgLst>
+    <pc:chgData name="Felipe Luís Pinheiro" userId="3ebb2e51909da18b" providerId="LiveId" clId="{BC0566B0-EF32-4E4E-8339-47B9EC197398}"/>
+    <pc:docChg chg="delSld modSld">
+      <pc:chgData name="Felipe Luís Pinheiro" userId="3ebb2e51909da18b" providerId="LiveId" clId="{BC0566B0-EF32-4E4E-8339-47B9EC197398}" dt="2018-10-21T15:13:19.798" v="5" actId="2696"/>
+      <pc:docMkLst>
+        <pc:docMk/>
+      </pc:docMkLst>
+      <pc:sldChg chg="modSp">
+        <pc:chgData name="Felipe Luís Pinheiro" userId="3ebb2e51909da18b" providerId="LiveId" clId="{BC0566B0-EF32-4E4E-8339-47B9EC197398}" dt="2018-10-21T13:17:59.035" v="3" actId="6549"/>
+        <pc:sldMkLst>
+          <pc:docMk/>
+          <pc:sldMk cId="0" sldId="256"/>
+        </pc:sldMkLst>
+        <pc:spChg chg="mod">
+          <ac:chgData name="Felipe Luís Pinheiro" userId="3ebb2e51909da18b" providerId="LiveId" clId="{BC0566B0-EF32-4E4E-8339-47B9EC197398}" dt="2018-10-21T13:17:59.035" v="3" actId="6549"/>
+          <ac:spMkLst>
+            <pc:docMk/>
+            <pc:sldMk cId="0" sldId="256"/>
+            <ac:spMk id="55" creationId="{00000000-0000-0000-0000-000000000000}"/>
+          </ac:spMkLst>
+        </pc:spChg>
+      </pc:sldChg>
+      <pc:sldChg chg="del">
+        <pc:chgData name="Felipe Luís Pinheiro" userId="3ebb2e51909da18b" providerId="LiveId" clId="{BC0566B0-EF32-4E4E-8339-47B9EC197398}" dt="2018-10-21T15:13:19.798" v="5" actId="2696"/>
+        <pc:sldMkLst>
+          <pc:docMk/>
+          <pc:sldMk cId="0" sldId="257"/>
+        </pc:sldMkLst>
+      </pc:sldChg>
+      <pc:sldChg chg="del">
+        <pc:chgData name="Felipe Luís Pinheiro" userId="3ebb2e51909da18b" providerId="LiveId" clId="{BC0566B0-EF32-4E4E-8339-47B9EC197398}" dt="2018-10-21T13:34:13.369" v="4" actId="2696"/>
+        <pc:sldMkLst>
+          <pc:docMk/>
+          <pc:sldMk cId="0" sldId="261"/>
+        </pc:sldMkLst>
+      </pc:sldChg>
+    </pc:docChg>
+  </pc:docChgLst>
+</pc:chgInfo>
 </file>
 
 <file path=ppt/notesMasters/notesMaster1.xml><?xml version="1.0" encoding="utf-8"?>
@@ -824,115 +873,6 @@
   <p:cSld>
     <p:spTree>
       <p:nvGrpSpPr>
-        <p:cNvPr id="1" name="Shape 57"/>
-        <p:cNvGrpSpPr/>
-        <p:nvPr/>
-      </p:nvGrpSpPr>
-      <p:grpSpPr>
-        <a:xfrm>
-          <a:off x="0" y="0"/>
-          <a:ext cx="0" cy="0"/>
-          <a:chOff x="0" y="0"/>
-          <a:chExt cx="0" cy="0"/>
-        </a:xfrm>
-      </p:grpSpPr>
-      <p:sp>
-        <p:nvSpPr>
-          <p:cNvPr id="58" name="Google Shape;58;g452cff3da6_0_64:notes"/>
-          <p:cNvSpPr>
-            <a:spLocks noGrp="1" noRot="1" noChangeAspect="1"/>
-          </p:cNvSpPr>
-          <p:nvPr>
-            <p:ph type="sldImg" idx="2"/>
-          </p:nvPr>
-        </p:nvSpPr>
-        <p:spPr>
-          <a:xfrm>
-            <a:off x="381300" y="685800"/>
-            <a:ext cx="6096000" cy="3429000"/>
-          </a:xfrm>
-          <a:custGeom>
-            <a:avLst/>
-            <a:gdLst/>
-            <a:ahLst/>
-            <a:cxnLst/>
-            <a:rect l="l" t="t" r="r" b="b"/>
-            <a:pathLst>
-              <a:path w="120000" h="120000" extrusionOk="0">
-                <a:moveTo>
-                  <a:pt x="0" y="0"/>
-                </a:moveTo>
-                <a:lnTo>
-                  <a:pt x="120000" y="0"/>
-                </a:lnTo>
-                <a:lnTo>
-                  <a:pt x="120000" y="120000"/>
-                </a:lnTo>
-                <a:lnTo>
-                  <a:pt x="0" y="120000"/>
-                </a:lnTo>
-                <a:close/>
-              </a:path>
-            </a:pathLst>
-          </a:custGeom>
-        </p:spPr>
-      </p:sp>
-      <p:sp>
-        <p:nvSpPr>
-          <p:cNvPr id="59" name="Google Shape;59;g452cff3da6_0_64:notes"/>
-          <p:cNvSpPr txBox="1">
-            <a:spLocks noGrp="1"/>
-          </p:cNvSpPr>
-          <p:nvPr>
-            <p:ph type="body" idx="1"/>
-          </p:nvPr>
-        </p:nvSpPr>
-        <p:spPr>
-          <a:xfrm>
-            <a:off x="685800" y="4343400"/>
-            <a:ext cx="5486400" cy="4114800"/>
-          </a:xfrm>
-          <a:prstGeom prst="rect">
-            <a:avLst/>
-          </a:prstGeom>
-        </p:spPr>
-        <p:txBody>
-          <a:bodyPr spcFirstLastPara="1" wrap="square" lIns="91425" tIns="91425" rIns="91425" bIns="91425" anchor="t" anchorCtr="0">
-            <a:noAutofit/>
-          </a:bodyPr>
-          <a:lstStyle/>
-          <a:p>
-            <a:pPr marL="0" lvl="0" indent="0" algn="l" rtl="0">
-              <a:spcBef>
-                <a:spcPts val="0"/>
-              </a:spcBef>
-              <a:spcAft>
-                <a:spcPts val="0"/>
-              </a:spcAft>
-              <a:buNone/>
-            </a:pPr>
-            <a:endParaRPr/>
-          </a:p>
-        </p:txBody>
-      </p:sp>
-    </p:spTree>
-    <p:extLst>
-      <p:ext uri="{BB962C8B-B14F-4D97-AF65-F5344CB8AC3E}">
-        <p14:creationId xmlns:p14="http://schemas.microsoft.com/office/powerpoint/2010/main" val="688481645"/>
-      </p:ext>
-    </p:extLst>
-  </p:cSld>
-  <p:clrMapOvr>
-    <a:masterClrMapping/>
-  </p:clrMapOvr>
-</p:notes>
-</file>
-
-<file path=ppt/notesSlides/notesSlide3.xml><?xml version="1.0" encoding="utf-8"?>
-<p:notes xmlns:a="http://schemas.openxmlformats.org/drawingml/2006/main" xmlns:r="http://schemas.openxmlformats.org/officeDocument/2006/relationships" xmlns:p="http://schemas.openxmlformats.org/presentationml/2006/main" showMasterSp="0" showMasterPhAnim="0">
-  <p:cSld>
-    <p:spTree>
-      <p:nvGrpSpPr>
         <p:cNvPr id="1" name="Shape 64"/>
         <p:cNvGrpSpPr/>
         <p:nvPr/>
@@ -1037,7 +977,7 @@
 </p:notes>
 </file>
 
-<file path=ppt/notesSlides/notesSlide4.xml><?xml version="1.0" encoding="utf-8"?>
+<file path=ppt/notesSlides/notesSlide3.xml><?xml version="1.0" encoding="utf-8"?>
 <p:notes xmlns:a="http://schemas.openxmlformats.org/drawingml/2006/main" xmlns:r="http://schemas.openxmlformats.org/officeDocument/2006/relationships" xmlns:p="http://schemas.openxmlformats.org/presentationml/2006/main" showMasterSp="0" showMasterPhAnim="0">
   <p:cSld>
     <p:spTree>
@@ -1146,7 +1086,7 @@
 </p:notes>
 </file>
 
-<file path=ppt/notesSlides/notesSlide5.xml><?xml version="1.0" encoding="utf-8"?>
+<file path=ppt/notesSlides/notesSlide4.xml><?xml version="1.0" encoding="utf-8"?>
 <p:notes xmlns:a="http://schemas.openxmlformats.org/drawingml/2006/main" xmlns:r="http://schemas.openxmlformats.org/officeDocument/2006/relationships" xmlns:p="http://schemas.openxmlformats.org/presentationml/2006/main" showMasterSp="0" showMasterPhAnim="0">
   <p:cSld>
     <p:spTree>
@@ -1255,116 +1195,7 @@
 </p:notes>
 </file>
 
-<file path=ppt/notesSlides/notesSlide6.xml><?xml version="1.0" encoding="utf-8"?>
-<p:notes xmlns:a="http://schemas.openxmlformats.org/drawingml/2006/main" xmlns:r="http://schemas.openxmlformats.org/officeDocument/2006/relationships" xmlns:p="http://schemas.openxmlformats.org/presentationml/2006/main" showMasterSp="0" showMasterPhAnim="0">
-  <p:cSld>
-    <p:spTree>
-      <p:nvGrpSpPr>
-        <p:cNvPr id="1" name="Shape 82"/>
-        <p:cNvGrpSpPr/>
-        <p:nvPr/>
-      </p:nvGrpSpPr>
-      <p:grpSpPr>
-        <a:xfrm>
-          <a:off x="0" y="0"/>
-          <a:ext cx="0" cy="0"/>
-          <a:chOff x="0" y="0"/>
-          <a:chExt cx="0" cy="0"/>
-        </a:xfrm>
-      </p:grpSpPr>
-      <p:sp>
-        <p:nvSpPr>
-          <p:cNvPr id="83" name="Google Shape;83;g45318816de_0_11:notes"/>
-          <p:cNvSpPr>
-            <a:spLocks noGrp="1" noRot="1" noChangeAspect="1"/>
-          </p:cNvSpPr>
-          <p:nvPr>
-            <p:ph type="sldImg" idx="2"/>
-          </p:nvPr>
-        </p:nvSpPr>
-        <p:spPr>
-          <a:xfrm>
-            <a:off x="381000" y="685800"/>
-            <a:ext cx="6096000" cy="3429000"/>
-          </a:xfrm>
-          <a:custGeom>
-            <a:avLst/>
-            <a:gdLst/>
-            <a:ahLst/>
-            <a:cxnLst/>
-            <a:rect l="l" t="t" r="r" b="b"/>
-            <a:pathLst>
-              <a:path w="120000" h="120000" extrusionOk="0">
-                <a:moveTo>
-                  <a:pt x="0" y="0"/>
-                </a:moveTo>
-                <a:lnTo>
-                  <a:pt x="120000" y="0"/>
-                </a:lnTo>
-                <a:lnTo>
-                  <a:pt x="120000" y="120000"/>
-                </a:lnTo>
-                <a:lnTo>
-                  <a:pt x="0" y="120000"/>
-                </a:lnTo>
-                <a:close/>
-              </a:path>
-            </a:pathLst>
-          </a:custGeom>
-        </p:spPr>
-      </p:sp>
-      <p:sp>
-        <p:nvSpPr>
-          <p:cNvPr id="84" name="Google Shape;84;g45318816de_0_11:notes"/>
-          <p:cNvSpPr txBox="1">
-            <a:spLocks noGrp="1"/>
-          </p:cNvSpPr>
-          <p:nvPr>
-            <p:ph type="body" idx="1"/>
-          </p:nvPr>
-        </p:nvSpPr>
-        <p:spPr>
-          <a:xfrm>
-            <a:off x="685800" y="4343400"/>
-            <a:ext cx="5486400" cy="4114800"/>
-          </a:xfrm>
-          <a:prstGeom prst="rect">
-            <a:avLst/>
-          </a:prstGeom>
-        </p:spPr>
-        <p:txBody>
-          <a:bodyPr spcFirstLastPara="1" wrap="square" lIns="91425" tIns="91425" rIns="91425" bIns="91425" anchor="t" anchorCtr="0">
-            <a:noAutofit/>
-          </a:bodyPr>
-          <a:lstStyle/>
-          <a:p>
-            <a:pPr marL="0" lvl="0" indent="0" algn="l" rtl="0">
-              <a:spcBef>
-                <a:spcPts val="0"/>
-              </a:spcBef>
-              <a:spcAft>
-                <a:spcPts val="0"/>
-              </a:spcAft>
-              <a:buNone/>
-            </a:pPr>
-            <a:endParaRPr/>
-          </a:p>
-        </p:txBody>
-      </p:sp>
-    </p:spTree>
-    <p:extLst>
-      <p:ext uri="{BB962C8B-B14F-4D97-AF65-F5344CB8AC3E}">
-        <p14:creationId xmlns:p14="http://schemas.microsoft.com/office/powerpoint/2010/main" val="657394951"/>
-      </p:ext>
-    </p:extLst>
-  </p:cSld>
-  <p:clrMapOvr>
-    <a:masterClrMapping/>
-  </p:clrMapOvr>
-</p:notes>
-</file>
-
-<file path=ppt/notesSlides/notesSlide7.xml><?xml version="1.0" encoding="utf-8"?>
+<file path=ppt/notesSlides/notesSlide5.xml><?xml version="1.0" encoding="utf-8"?>
 <p:notes xmlns:a="http://schemas.openxmlformats.org/drawingml/2006/main" xmlns:r="http://schemas.openxmlformats.org/officeDocument/2006/relationships" xmlns:p="http://schemas.openxmlformats.org/presentationml/2006/main" showMasterSp="0" showMasterPhAnim="0">
   <p:cSld>
     <p:spTree>
@@ -1844,7 +1675,7 @@
             </a:pPr>
             <a:fld id="{00000000-1234-1234-1234-123412341234}" type="slidenum">
               <a:rPr lang="pt-BR"/>
-              <a:t>‹n.º›</a:t>
+              <a:t>‹nº›</a:t>
             </a:fld>
             <a:endParaRPr/>
           </a:p>
@@ -2204,7 +2035,7 @@
             </a:pPr>
             <a:fld id="{00000000-1234-1234-1234-123412341234}" type="slidenum">
               <a:rPr lang="pt-BR"/>
-              <a:t>‹n.º›</a:t>
+              <a:t>‹nº›</a:t>
             </a:fld>
             <a:endParaRPr/>
           </a:p>
@@ -2308,7 +2139,7 @@
             </a:pPr>
             <a:fld id="{00000000-1234-1234-1234-123412341234}" type="slidenum">
               <a:rPr lang="pt-BR"/>
-              <a:t>‹n.º›</a:t>
+              <a:t>‹nº›</a:t>
             </a:fld>
             <a:endParaRPr/>
           </a:p>
@@ -2539,7 +2370,7 @@
             </a:pPr>
             <a:fld id="{00000000-1234-1234-1234-123412341234}" type="slidenum">
               <a:rPr lang="pt-BR"/>
-              <a:t>‹n.º›</a:t>
+              <a:t>‹nº›</a:t>
             </a:fld>
             <a:endParaRPr/>
           </a:p>
@@ -2897,7 +2728,7 @@
             </a:pPr>
             <a:fld id="{00000000-1234-1234-1234-123412341234}" type="slidenum">
               <a:rPr lang="pt-BR"/>
-              <a:t>‹n.º›</a:t>
+              <a:t>‹nº›</a:t>
             </a:fld>
             <a:endParaRPr/>
           </a:p>
@@ -3382,7 +3213,7 @@
             </a:pPr>
             <a:fld id="{00000000-1234-1234-1234-123412341234}" type="slidenum">
               <a:rPr lang="pt-BR"/>
-              <a:t>‹n.º›</a:t>
+              <a:t>‹nº›</a:t>
             </a:fld>
             <a:endParaRPr/>
           </a:p>
@@ -3613,7 +3444,7 @@
             </a:pPr>
             <a:fld id="{00000000-1234-1234-1234-123412341234}" type="slidenum">
               <a:rPr lang="pt-BR"/>
-              <a:t>‹n.º›</a:t>
+              <a:t>‹nº›</a:t>
             </a:fld>
             <a:endParaRPr/>
           </a:p>
@@ -3971,7 +3802,7 @@
             </a:pPr>
             <a:fld id="{00000000-1234-1234-1234-123412341234}" type="slidenum">
               <a:rPr lang="pt-BR"/>
-              <a:t>‹n.º›</a:t>
+              <a:t>‹nº›</a:t>
             </a:fld>
             <a:endParaRPr/>
           </a:p>
@@ -4202,7 +4033,7 @@
             </a:pPr>
             <a:fld id="{00000000-1234-1234-1234-123412341234}" type="slidenum">
               <a:rPr lang="pt-BR"/>
-              <a:t>‹n.º›</a:t>
+              <a:t>‹nº›</a:t>
             </a:fld>
             <a:endParaRPr/>
           </a:p>
@@ -4754,7 +4585,7 @@
             </a:pPr>
             <a:fld id="{00000000-1234-1234-1234-123412341234}" type="slidenum">
               <a:rPr lang="pt-BR"/>
-              <a:t>‹n.º›</a:t>
+              <a:t>‹nº›</a:t>
             </a:fld>
             <a:endParaRPr/>
           </a:p>
@@ -4900,7 +4731,7 @@
             </a:pPr>
             <a:fld id="{00000000-1234-1234-1234-123412341234}" type="slidenum">
               <a:rPr lang="pt-BR"/>
-              <a:t>‹n.º›</a:t>
+              <a:t>‹nº›</a:t>
             </a:fld>
             <a:endParaRPr/>
           </a:p>
@@ -5467,7 +5298,7 @@
             </a:pPr>
             <a:fld id="{00000000-1234-1234-1234-123412341234}" type="slidenum">
               <a:rPr lang="pt-BR"/>
-              <a:t>‹n.º›</a:t>
+              <a:t>‹nº›</a:t>
             </a:fld>
             <a:endParaRPr/>
           </a:p>
@@ -6252,17 +6083,10 @@
           </a:bodyPr>
           <a:lstStyle/>
           <a:p>
-            <a:pPr marL="0" lvl="0" indent="0" algn="l" rtl="0">
+            <a:pPr>
               <a:lnSpc>
                 <a:spcPct val="200000"/>
               </a:lnSpc>
-              <a:spcBef>
-                <a:spcPts val="0"/>
-              </a:spcBef>
-              <a:spcAft>
-                <a:spcPts val="0"/>
-              </a:spcAft>
-              <a:buNone/>
             </a:pPr>
             <a:r>
               <a:rPr lang="pt-BR" sz="2000" b="1" dirty="0">
@@ -6271,7 +6095,77 @@
                 <a:cs typeface="Courier New"/>
                 <a:sym typeface="Courier New"/>
               </a:rPr>
-              <a:t>Denilton Marinho Correia</a:t>
+              <a:t>Felipe Luís Pinheiro</a:t>
+            </a:r>
+          </a:p>
+          <a:p>
+            <a:pPr marL="0" lvl="0" indent="0" algn="l" rtl="0">
+              <a:lnSpc>
+                <a:spcPct val="200000"/>
+              </a:lnSpc>
+              <a:spcBef>
+                <a:spcPts val="0"/>
+              </a:spcBef>
+              <a:spcAft>
+                <a:spcPts val="0"/>
+              </a:spcAft>
+              <a:buNone/>
+            </a:pPr>
+            <a:r>
+              <a:rPr lang="pt-BR" sz="2000" b="1" dirty="0" err="1">
+                <a:latin typeface="Courier New"/>
+                <a:ea typeface="Courier New"/>
+                <a:cs typeface="Courier New"/>
+                <a:sym typeface="Courier New"/>
+              </a:rPr>
+              <a:t>Denilton</a:t>
+            </a:r>
+            <a:r>
+              <a:rPr lang="pt-BR" sz="2000" b="1" dirty="0">
+                <a:latin typeface="Courier New"/>
+                <a:ea typeface="Courier New"/>
+                <a:cs typeface="Courier New"/>
+                <a:sym typeface="Courier New"/>
+              </a:rPr>
+              <a:t> Marinho Correia</a:t>
+            </a:r>
+            <a:endParaRPr sz="2000" b="1" dirty="0">
+              <a:latin typeface="Courier New"/>
+              <a:ea typeface="Courier New"/>
+              <a:cs typeface="Courier New"/>
+              <a:sym typeface="Courier New"/>
+            </a:endParaRPr>
+          </a:p>
+          <a:p>
+            <a:pPr marL="0" lvl="0" indent="0" algn="just" rtl="0">
+              <a:lnSpc>
+                <a:spcPct val="200000"/>
+              </a:lnSpc>
+              <a:spcBef>
+                <a:spcPts val="0"/>
+              </a:spcBef>
+              <a:spcAft>
+                <a:spcPts val="0"/>
+              </a:spcAft>
+              <a:buNone/>
+            </a:pPr>
+            <a:r>
+              <a:rPr lang="pt-BR" sz="2000" b="1" dirty="0" err="1">
+                <a:latin typeface="Courier New"/>
+                <a:ea typeface="Courier New"/>
+                <a:cs typeface="Courier New"/>
+                <a:sym typeface="Courier New"/>
+              </a:rPr>
+              <a:t>Giltone</a:t>
+            </a:r>
+            <a:r>
+              <a:rPr lang="pt-BR" sz="2000" b="1" dirty="0">
+                <a:latin typeface="Courier New"/>
+                <a:ea typeface="Courier New"/>
+                <a:cs typeface="Courier New"/>
+                <a:sym typeface="Courier New"/>
+              </a:rPr>
+              <a:t> Moreira Sampaio</a:t>
             </a:r>
             <a:endParaRPr sz="2000" b="1" dirty="0">
               <a:latin typeface="Courier New"/>
@@ -6300,74 +6194,7 @@
                 <a:cs typeface="Courier New"/>
                 <a:sym typeface="Courier New"/>
               </a:rPr>
-              <a:t>Felipe Luís Pinheiro</a:t>
-            </a:r>
-            <a:endParaRPr sz="2000" b="1" dirty="0">
-              <a:latin typeface="Courier New"/>
-              <a:ea typeface="Courier New"/>
-              <a:cs typeface="Courier New"/>
-              <a:sym typeface="Courier New"/>
-            </a:endParaRPr>
-          </a:p>
-          <a:p>
-            <a:pPr marL="0" lvl="0" indent="0" algn="just" rtl="0">
-              <a:lnSpc>
-                <a:spcPct val="200000"/>
-              </a:lnSpc>
-              <a:spcBef>
-                <a:spcPts val="0"/>
-              </a:spcBef>
-              <a:spcAft>
-                <a:spcPts val="0"/>
-              </a:spcAft>
-              <a:buNone/>
-            </a:pPr>
-            <a:r>
-              <a:rPr lang="pt-BR" sz="2000" b="1" dirty="0">
-                <a:latin typeface="Courier New"/>
-                <a:ea typeface="Courier New"/>
-                <a:cs typeface="Courier New"/>
-                <a:sym typeface="Courier New"/>
-              </a:rPr>
-              <a:t>Giltone Moreira Sampaio</a:t>
-            </a:r>
-            <a:endParaRPr sz="2000" b="1" dirty="0">
-              <a:latin typeface="Courier New"/>
-              <a:ea typeface="Courier New"/>
-              <a:cs typeface="Courier New"/>
-              <a:sym typeface="Courier New"/>
-            </a:endParaRPr>
-          </a:p>
-          <a:p>
-            <a:pPr marL="0" lvl="0" indent="0" algn="l" rtl="0">
-              <a:lnSpc>
-                <a:spcPct val="200000"/>
-              </a:lnSpc>
-              <a:spcBef>
-                <a:spcPts val="0"/>
-              </a:spcBef>
-              <a:spcAft>
-                <a:spcPts val="0"/>
-              </a:spcAft>
-              <a:buNone/>
-            </a:pPr>
-            <a:r>
-              <a:rPr lang="pt-BR" sz="2000" b="1" dirty="0">
-                <a:latin typeface="Courier New"/>
-                <a:ea typeface="Courier New"/>
-                <a:cs typeface="Courier New"/>
-                <a:sym typeface="Courier New"/>
-              </a:rPr>
-              <a:t>Matheus </a:t>
-            </a:r>
-            <a:r>
-              <a:rPr lang="pt-BR" sz="2000" b="1" dirty="0" smtClean="0">
-                <a:latin typeface="Courier New"/>
-                <a:ea typeface="Courier New"/>
-                <a:cs typeface="Courier New"/>
-                <a:sym typeface="Courier New"/>
-              </a:rPr>
-              <a:t>Gabriel</a:t>
+              <a:t>Matheus Gabriel</a:t>
             </a:r>
             <a:endParaRPr sz="2000" b="1" dirty="0">
               <a:latin typeface="Courier New"/>
@@ -6470,225 +6297,10 @@
   <p:clrMapOvr>
     <a:masterClrMapping/>
   </p:clrMapOvr>
-  <p:timing>
-    <p:tnLst>
-      <p:par>
-        <p:cTn id="1" dur="indefinite" restart="never" nodeType="tmRoot"/>
-      </p:par>
-    </p:tnLst>
-  </p:timing>
 </p:sld>
 </file>
 
 <file path=ppt/slides/slide2.xml><?xml version="1.0" encoding="utf-8"?>
-<p:sld xmlns:a="http://schemas.openxmlformats.org/drawingml/2006/main" xmlns:r="http://schemas.openxmlformats.org/officeDocument/2006/relationships" xmlns:p="http://schemas.openxmlformats.org/presentationml/2006/main">
-  <p:cSld>
-    <p:spTree>
-      <p:nvGrpSpPr>
-        <p:cNvPr id="1" name="Shape 60"/>
-        <p:cNvGrpSpPr/>
-        <p:nvPr/>
-      </p:nvGrpSpPr>
-      <p:grpSpPr>
-        <a:xfrm>
-          <a:off x="0" y="0"/>
-          <a:ext cx="0" cy="0"/>
-          <a:chOff x="0" y="0"/>
-          <a:chExt cx="0" cy="0"/>
-        </a:xfrm>
-      </p:grpSpPr>
-      <p:sp>
-        <p:nvSpPr>
-          <p:cNvPr id="61" name="Google Shape;61;p14"/>
-          <p:cNvSpPr txBox="1">
-            <a:spLocks noGrp="1"/>
-          </p:cNvSpPr>
-          <p:nvPr>
-            <p:ph type="title"/>
-          </p:nvPr>
-        </p:nvSpPr>
-        <p:spPr>
-          <a:xfrm>
-            <a:off x="311700" y="445025"/>
-            <a:ext cx="8520600" cy="572700"/>
-          </a:xfrm>
-          <a:prstGeom prst="rect">
-            <a:avLst/>
-          </a:prstGeom>
-        </p:spPr>
-        <p:txBody>
-          <a:bodyPr spcFirstLastPara="1" wrap="square" lIns="91425" tIns="91425" rIns="91425" bIns="91425" anchor="t" anchorCtr="0">
-            <a:noAutofit/>
-          </a:bodyPr>
-          <a:lstStyle/>
-          <a:p>
-            <a:pPr marL="0" lvl="0" indent="0" algn="ctr" rtl="0">
-              <a:spcBef>
-                <a:spcPts val="0"/>
-              </a:spcBef>
-              <a:spcAft>
-                <a:spcPts val="0"/>
-              </a:spcAft>
-              <a:buNone/>
-            </a:pPr>
-            <a:r>
-              <a:rPr lang="pt-BR" b="1">
-                <a:solidFill>
-                  <a:srgbClr val="FF9900"/>
-                </a:solidFill>
-                <a:latin typeface="Courier New"/>
-                <a:ea typeface="Courier New"/>
-                <a:cs typeface="Courier New"/>
-                <a:sym typeface="Courier New"/>
-              </a:rPr>
-              <a:t>S.R.A - Scanner Robô autônomo</a:t>
-            </a:r>
-            <a:endParaRPr b="1">
-              <a:solidFill>
-                <a:srgbClr val="FF9900"/>
-              </a:solidFill>
-              <a:latin typeface="Courier New"/>
-              <a:ea typeface="Courier New"/>
-              <a:cs typeface="Courier New"/>
-              <a:sym typeface="Courier New"/>
-            </a:endParaRPr>
-          </a:p>
-        </p:txBody>
-      </p:sp>
-      <p:sp>
-        <p:nvSpPr>
-          <p:cNvPr id="62" name="Google Shape;62;p14"/>
-          <p:cNvSpPr txBox="1"/>
-          <p:nvPr/>
-        </p:nvSpPr>
-        <p:spPr>
-          <a:xfrm>
-            <a:off x="1011150" y="1211700"/>
-            <a:ext cx="7121700" cy="770400"/>
-          </a:xfrm>
-          <a:prstGeom prst="rect">
-            <a:avLst/>
-          </a:prstGeom>
-          <a:noFill/>
-          <a:ln>
-            <a:noFill/>
-          </a:ln>
-        </p:spPr>
-        <p:txBody>
-          <a:bodyPr spcFirstLastPara="1" wrap="square" lIns="91425" tIns="91425" rIns="91425" bIns="91425" anchor="t" anchorCtr="0">
-            <a:noAutofit/>
-          </a:bodyPr>
-          <a:lstStyle/>
-          <a:p>
-            <a:pPr marL="0" lvl="0" indent="0" algn="ctr" rtl="0">
-              <a:spcBef>
-                <a:spcPts val="0"/>
-              </a:spcBef>
-              <a:spcAft>
-                <a:spcPts val="0"/>
-              </a:spcAft>
-              <a:buNone/>
-            </a:pPr>
-            <a:r>
-              <a:rPr lang="pt-BR" sz="2800" b="1">
-                <a:solidFill>
-                  <a:srgbClr val="FF9900"/>
-                </a:solidFill>
-                <a:latin typeface="Courier New"/>
-                <a:ea typeface="Courier New"/>
-                <a:cs typeface="Courier New"/>
-                <a:sym typeface="Courier New"/>
-              </a:rPr>
-              <a:t>Protótipo 3D</a:t>
-            </a:r>
-            <a:endParaRPr sz="2800" b="1">
-              <a:solidFill>
-                <a:srgbClr val="FF9900"/>
-              </a:solidFill>
-              <a:latin typeface="Courier New"/>
-              <a:ea typeface="Courier New"/>
-              <a:cs typeface="Courier New"/>
-              <a:sym typeface="Courier New"/>
-            </a:endParaRPr>
-          </a:p>
-          <a:p>
-            <a:pPr marL="0" lvl="0" indent="0" algn="ctr" rtl="0">
-              <a:spcBef>
-                <a:spcPts val="0"/>
-              </a:spcBef>
-              <a:spcAft>
-                <a:spcPts val="0"/>
-              </a:spcAft>
-              <a:buNone/>
-            </a:pPr>
-            <a:endParaRPr sz="2800" b="1">
-              <a:solidFill>
-                <a:srgbClr val="FF9900"/>
-              </a:solidFill>
-              <a:latin typeface="Courier New"/>
-              <a:ea typeface="Courier New"/>
-              <a:cs typeface="Courier New"/>
-              <a:sym typeface="Courier New"/>
-            </a:endParaRPr>
-          </a:p>
-          <a:p>
-            <a:pPr marL="0" lvl="0" indent="0" algn="l" rtl="0">
-              <a:spcBef>
-                <a:spcPts val="0"/>
-              </a:spcBef>
-              <a:spcAft>
-                <a:spcPts val="0"/>
-              </a:spcAft>
-              <a:buNone/>
-            </a:pPr>
-            <a:endParaRPr/>
-          </a:p>
-        </p:txBody>
-      </p:sp>
-      <p:pic>
-        <p:nvPicPr>
-          <p:cNvPr id="63" name="Google Shape;63;p14"/>
-          <p:cNvPicPr preferRelativeResize="0"/>
-          <p:nvPr/>
-        </p:nvPicPr>
-        <p:blipFill>
-          <a:blip r:embed="rId3">
-            <a:alphaModFix/>
-          </a:blip>
-          <a:stretch>
-            <a:fillRect/>
-          </a:stretch>
-        </p:blipFill>
-        <p:spPr>
-          <a:xfrm>
-            <a:off x="1601963" y="1710100"/>
-            <a:ext cx="5940074" cy="3341300"/>
-          </a:xfrm>
-          <a:prstGeom prst="rect">
-            <a:avLst/>
-          </a:prstGeom>
-          <a:noFill/>
-          <a:ln>
-            <a:noFill/>
-          </a:ln>
-        </p:spPr>
-      </p:pic>
-    </p:spTree>
-  </p:cSld>
-  <p:clrMapOvr>
-    <a:masterClrMapping/>
-  </p:clrMapOvr>
-  <p:timing>
-    <p:tnLst>
-      <p:par>
-        <p:cTn id="1" dur="indefinite" restart="never" nodeType="tmRoot"/>
-      </p:par>
-    </p:tnLst>
-  </p:timing>
-</p:sld>
-</file>
-
-<file path=ppt/slides/slide3.xml><?xml version="1.0" encoding="utf-8"?>
 <p:sld xmlns:a="http://schemas.openxmlformats.org/drawingml/2006/main" xmlns:r="http://schemas.openxmlformats.org/officeDocument/2006/relationships" xmlns:p="http://schemas.openxmlformats.org/presentationml/2006/main">
   <p:cSld>
     <p:spTree>
@@ -6786,18 +6398,13 @@
           <a:lstStyle/>
           <a:p>
             <a:r>
-              <a:rPr lang="pt-BR" sz="3200" dirty="0" smtClean="0">
+              <a:rPr lang="pt-BR" sz="3200" dirty="0">
                 <a:latin typeface="Courier New" charset="0"/>
                 <a:ea typeface="Courier New" charset="0"/>
                 <a:cs typeface="Courier New" charset="0"/>
               </a:rPr>
               <a:t>Robô Autônomo</a:t>
             </a:r>
-            <a:endParaRPr lang="pt-BR" sz="3200" dirty="0">
-              <a:latin typeface="Courier New" charset="0"/>
-              <a:ea typeface="Courier New" charset="0"/>
-              <a:cs typeface="Courier New" charset="0"/>
-            </a:endParaRPr>
           </a:p>
         </p:txBody>
       </p:sp>
@@ -6878,18 +6485,13 @@
           <a:lstStyle/>
           <a:p>
             <a:r>
-              <a:rPr lang="pt-BR" sz="2800" dirty="0" smtClean="0">
+              <a:rPr lang="pt-BR" sz="2800" dirty="0">
                 <a:latin typeface="Courier New" charset="0"/>
                 <a:ea typeface="Courier New" charset="0"/>
                 <a:cs typeface="Courier New" charset="0"/>
               </a:rPr>
               <a:t>Capacidade de micro escaneamento</a:t>
             </a:r>
-            <a:endParaRPr lang="pt-BR" sz="2800" dirty="0">
-              <a:latin typeface="Courier New" charset="0"/>
-              <a:ea typeface="Courier New" charset="0"/>
-              <a:cs typeface="Courier New" charset="0"/>
-            </a:endParaRPr>
           </a:p>
         </p:txBody>
       </p:sp>
@@ -6920,18 +6522,13 @@
               <a:buAutoNum type="romanUcPeriod"/>
             </a:pPr>
             <a:r>
-              <a:rPr lang="pt-BR" sz="2800" dirty="0" smtClean="0">
+              <a:rPr lang="pt-BR" sz="2800" dirty="0">
                 <a:latin typeface="Courier New" charset="0"/>
                 <a:ea typeface="Courier New" charset="0"/>
                 <a:cs typeface="Courier New" charset="0"/>
               </a:rPr>
               <a:t>Localiza danos na fuselagem</a:t>
             </a:r>
-            <a:endParaRPr lang="pt-BR" sz="2800" dirty="0">
-              <a:latin typeface="Courier New" charset="0"/>
-              <a:ea typeface="Courier New" charset="0"/>
-              <a:cs typeface="Courier New" charset="0"/>
-            </a:endParaRPr>
           </a:p>
         </p:txBody>
       </p:sp>
@@ -6958,18 +6555,13 @@
           <a:lstStyle/>
           <a:p>
             <a:r>
-              <a:rPr lang="pt-BR" sz="2800" dirty="0" smtClean="0">
+              <a:rPr lang="pt-BR" sz="2800" dirty="0">
                 <a:latin typeface="Courier New" charset="0"/>
                 <a:ea typeface="Courier New" charset="0"/>
                 <a:cs typeface="Courier New" charset="0"/>
               </a:rPr>
               <a:t>II. Competência de reparar pequenos danos</a:t>
             </a:r>
-            <a:endParaRPr lang="pt-BR" sz="2800" dirty="0">
-              <a:latin typeface="Courier New" charset="0"/>
-              <a:ea typeface="Courier New" charset="0"/>
-              <a:cs typeface="Courier New" charset="0"/>
-            </a:endParaRPr>
           </a:p>
         </p:txBody>
       </p:sp>
@@ -7013,17 +6605,10 @@
   <p:clrMapOvr>
     <a:masterClrMapping/>
   </p:clrMapOvr>
-  <p:timing>
-    <p:tnLst>
-      <p:par>
-        <p:cTn id="1" dur="indefinite" restart="never" nodeType="tmRoot"/>
-      </p:par>
-    </p:tnLst>
-  </p:timing>
 </p:sld>
 </file>
 
-<file path=ppt/slides/slide4.xml><?xml version="1.0" encoding="utf-8"?>
+<file path=ppt/slides/slide3.xml><?xml version="1.0" encoding="utf-8"?>
 <p:sld xmlns:a="http://schemas.openxmlformats.org/drawingml/2006/main" xmlns:r="http://schemas.openxmlformats.org/officeDocument/2006/relationships" xmlns:p="http://schemas.openxmlformats.org/presentationml/2006/main">
   <p:cSld>
     <p:spTree>
@@ -7137,7 +6722,7 @@
               <a:buChar char="•"/>
             </a:pPr>
             <a:r>
-              <a:rPr lang="pt-BR" sz="2800" dirty="0" smtClean="0">
+              <a:rPr lang="pt-BR" sz="2800" dirty="0">
                 <a:latin typeface="Courier New"/>
                 <a:ea typeface="Courier New"/>
                 <a:cs typeface="Courier New"/>
@@ -7180,7 +6765,7 @@
               <a:buChar char="•"/>
             </a:pPr>
             <a:r>
-              <a:rPr lang="pt-BR" sz="2700" dirty="0" smtClean="0">
+              <a:rPr lang="pt-BR" sz="2700" dirty="0">
                 <a:latin typeface="Courier New"/>
                 <a:ea typeface="Courier New"/>
                 <a:cs typeface="Courier New"/>
@@ -7189,7 +6774,7 @@
               <a:t>Mais seguran</a:t>
             </a:r>
             <a:r>
-              <a:rPr lang="en-US" sz="2700" dirty="0" smtClean="0">
+              <a:rPr lang="en-US" sz="2700" dirty="0">
                 <a:latin typeface="Courier New"/>
                 <a:ea typeface="Courier New"/>
                 <a:cs typeface="Courier New"/>
@@ -7198,31 +6783,13 @@
               <a:t>ça </a:t>
             </a:r>
             <a:r>
-              <a:rPr lang="pt-BR" sz="2700" dirty="0" smtClean="0">
-                <a:latin typeface="Courier New"/>
-                <a:ea typeface="Courier New"/>
-                <a:cs typeface="Courier New"/>
-                <a:sym typeface="Courier New"/>
-              </a:rPr>
-              <a:t>nas </a:t>
-            </a:r>
-            <a:r>
               <a:rPr lang="pt-BR" sz="2700" dirty="0">
                 <a:latin typeface="Courier New"/>
                 <a:ea typeface="Courier New"/>
                 <a:cs typeface="Courier New"/>
                 <a:sym typeface="Courier New"/>
               </a:rPr>
-              <a:t>missões </a:t>
-            </a:r>
-            <a:r>
-              <a:rPr lang="pt-BR" sz="2700" dirty="0" smtClean="0">
-                <a:latin typeface="Courier New"/>
-                <a:ea typeface="Courier New"/>
-                <a:cs typeface="Courier New"/>
-                <a:sym typeface="Courier New"/>
-              </a:rPr>
-              <a:t>espaciais</a:t>
+              <a:t>nas missões espaciais</a:t>
             </a:r>
             <a:endParaRPr lang="pt-BR" sz="2700" dirty="0"/>
           </a:p>
@@ -7285,7 +6852,7 @@
               <a:buChar char="•"/>
             </a:pPr>
             <a:r>
-              <a:rPr lang="pt-BR" sz="2700" dirty="0" smtClean="0">
+              <a:rPr lang="pt-BR" sz="2700" dirty="0">
                 <a:latin typeface="Courier New" charset="0"/>
                 <a:ea typeface="Courier New" charset="0"/>
                 <a:cs typeface="Courier New" charset="0"/>
@@ -7293,7 +6860,7 @@
               <a:t>Inspira</a:t>
             </a:r>
             <a:r>
-              <a:rPr lang="en-US" sz="2700" dirty="0" err="1" smtClean="0">
+              <a:rPr lang="en-US" sz="2700" dirty="0" err="1">
                 <a:latin typeface="Courier New" charset="0"/>
                 <a:ea typeface="Courier New" charset="0"/>
                 <a:cs typeface="Courier New" charset="0"/>
@@ -7301,7 +6868,7 @@
               <a:t>ção</a:t>
             </a:r>
             <a:r>
-              <a:rPr lang="en-US" sz="2700" dirty="0" smtClean="0">
+              <a:rPr lang="en-US" sz="2700" dirty="0">
                 <a:latin typeface="Courier New" charset="0"/>
                 <a:ea typeface="Courier New" charset="0"/>
                 <a:cs typeface="Courier New" charset="0"/>
@@ -7309,7 +6876,7 @@
               <a:t> para </a:t>
             </a:r>
             <a:r>
-              <a:rPr lang="en-US" sz="2700" dirty="0" err="1" smtClean="0">
+              <a:rPr lang="en-US" sz="2700" dirty="0" err="1">
                 <a:latin typeface="Courier New" charset="0"/>
                 <a:ea typeface="Courier New" charset="0"/>
                 <a:cs typeface="Courier New" charset="0"/>
@@ -7317,7 +6884,7 @@
               <a:t>gerações</a:t>
             </a:r>
             <a:r>
-              <a:rPr lang="en-US" sz="2700" dirty="0" smtClean="0">
+              <a:rPr lang="en-US" sz="2700" dirty="0">
                 <a:latin typeface="Courier New" charset="0"/>
                 <a:ea typeface="Courier New" charset="0"/>
                 <a:cs typeface="Courier New" charset="0"/>
@@ -7325,7 +6892,7 @@
               <a:t> </a:t>
             </a:r>
             <a:r>
-              <a:rPr lang="en-US" sz="2700" dirty="0" err="1" smtClean="0">
+              <a:rPr lang="en-US" sz="2700" dirty="0" err="1">
                 <a:latin typeface="Courier New" charset="0"/>
                 <a:ea typeface="Courier New" charset="0"/>
                 <a:cs typeface="Courier New" charset="0"/>
@@ -7333,7 +6900,7 @@
               <a:t>futuras</a:t>
             </a:r>
             <a:r>
-              <a:rPr lang="en-US" sz="2700" dirty="0" smtClean="0">
+              <a:rPr lang="en-US" sz="2700" dirty="0">
                 <a:latin typeface="Courier New" charset="0"/>
                 <a:ea typeface="Courier New" charset="0"/>
                 <a:cs typeface="Courier New" charset="0"/>
@@ -7341,7 +6908,7 @@
               <a:t> de </a:t>
             </a:r>
             <a:r>
-              <a:rPr lang="en-US" sz="2700" dirty="0" err="1" smtClean="0">
+              <a:rPr lang="en-US" sz="2700" dirty="0" err="1">
                 <a:latin typeface="Courier New" charset="0"/>
                 <a:ea typeface="Courier New" charset="0"/>
                 <a:cs typeface="Courier New" charset="0"/>
@@ -7349,7 +6916,7 @@
               <a:t>robôs</a:t>
             </a:r>
             <a:r>
-              <a:rPr lang="en-US" sz="2700" dirty="0" smtClean="0">
+              <a:rPr lang="en-US" sz="2700" dirty="0">
                 <a:latin typeface="Courier New" charset="0"/>
                 <a:ea typeface="Courier New" charset="0"/>
                 <a:cs typeface="Courier New" charset="0"/>
@@ -7357,7 +6924,7 @@
               <a:t> </a:t>
             </a:r>
             <a:r>
-              <a:rPr lang="en-US" sz="2700" dirty="0" err="1" smtClean="0">
+              <a:rPr lang="en-US" sz="2700" dirty="0" err="1">
                 <a:latin typeface="Courier New" charset="0"/>
                 <a:ea typeface="Courier New" charset="0"/>
                 <a:cs typeface="Courier New" charset="0"/>
@@ -7399,7 +6966,7 @@
               <a:buChar char="•"/>
             </a:pPr>
             <a:r>
-              <a:rPr lang="pt-BR" sz="2700" dirty="0" smtClean="0">
+              <a:rPr lang="pt-BR" sz="2700" dirty="0">
                 <a:latin typeface="Courier New" charset="0"/>
                 <a:ea typeface="Courier New" charset="0"/>
                 <a:cs typeface="Courier New" charset="0"/>
@@ -7407,7 +6974,7 @@
               <a:t>Possivelmente se</a:t>
             </a:r>
             <a:r>
-              <a:rPr lang="en-US" sz="2700" dirty="0" err="1" smtClean="0">
+              <a:rPr lang="en-US" sz="2700" dirty="0" err="1">
                 <a:latin typeface="Courier New" charset="0"/>
                 <a:ea typeface="Courier New" charset="0"/>
                 <a:cs typeface="Courier New" charset="0"/>
@@ -7415,7 +6982,7 @@
               <a:t>rá</a:t>
             </a:r>
             <a:r>
-              <a:rPr lang="en-US" sz="2700" dirty="0" smtClean="0">
+              <a:rPr lang="en-US" sz="2700" dirty="0">
                 <a:latin typeface="Courier New" charset="0"/>
                 <a:ea typeface="Courier New" charset="0"/>
                 <a:cs typeface="Courier New" charset="0"/>
@@ -7423,7 +6990,7 @@
               <a:t> </a:t>
             </a:r>
             <a:r>
-              <a:rPr lang="en-US" sz="2700" dirty="0" err="1" smtClean="0">
+              <a:rPr lang="en-US" sz="2700" dirty="0" err="1">
                 <a:latin typeface="Courier New" charset="0"/>
                 <a:ea typeface="Courier New" charset="0"/>
                 <a:cs typeface="Courier New" charset="0"/>
@@ -7431,7 +6998,7 @@
               <a:t>popularizada</a:t>
             </a:r>
             <a:r>
-              <a:rPr lang="en-US" sz="2700" dirty="0" smtClean="0">
+              <a:rPr lang="en-US" sz="2700" dirty="0">
                 <a:latin typeface="Courier New" charset="0"/>
                 <a:ea typeface="Courier New" charset="0"/>
                 <a:cs typeface="Courier New" charset="0"/>
@@ -7439,7 +7006,7 @@
               <a:t> para o </a:t>
             </a:r>
             <a:r>
-              <a:rPr lang="en-US" sz="2700" dirty="0" err="1" smtClean="0">
+              <a:rPr lang="en-US" sz="2700" dirty="0" err="1">
                 <a:latin typeface="Courier New" charset="0"/>
                 <a:ea typeface="Courier New" charset="0"/>
                 <a:cs typeface="Courier New" charset="0"/>
@@ -7447,7 +7014,7 @@
               <a:t>uso</a:t>
             </a:r>
             <a:r>
-              <a:rPr lang="en-US" sz="2700" dirty="0" smtClean="0">
+              <a:rPr lang="en-US" sz="2700" dirty="0">
                 <a:latin typeface="Courier New" charset="0"/>
                 <a:ea typeface="Courier New" charset="0"/>
                 <a:cs typeface="Courier New" charset="0"/>
@@ -7455,7 +7022,7 @@
               <a:t> </a:t>
             </a:r>
             <a:r>
-              <a:rPr lang="en-US" sz="2700" dirty="0" err="1" smtClean="0">
+              <a:rPr lang="en-US" sz="2700" dirty="0" err="1">
                 <a:latin typeface="Courier New" charset="0"/>
                 <a:ea typeface="Courier New" charset="0"/>
                 <a:cs typeface="Courier New" charset="0"/>
@@ -7475,17 +7042,10 @@
   <p:clrMapOvr>
     <a:masterClrMapping/>
   </p:clrMapOvr>
-  <p:timing>
-    <p:tnLst>
-      <p:par>
-        <p:cTn id="1" dur="indefinite" restart="never" nodeType="tmRoot"/>
-      </p:par>
-    </p:tnLst>
-  </p:timing>
 </p:sld>
 </file>
 
-<file path=ppt/slides/slide5.xml><?xml version="1.0" encoding="utf-8"?>
+<file path=ppt/slides/slide4.xml><?xml version="1.0" encoding="utf-8"?>
 <p:sld xmlns:a="http://schemas.openxmlformats.org/drawingml/2006/main" xmlns:r="http://schemas.openxmlformats.org/officeDocument/2006/relationships" xmlns:p="http://schemas.openxmlformats.org/presentationml/2006/main">
   <p:cSld>
     <p:spTree>
@@ -7603,7 +7163,7 @@
           <a:p>
             <a:pPr algn="ctr"/>
             <a:r>
-              <a:rPr lang="pt-BR" sz="3200" b="1" dirty="0" smtClean="0">
+              <a:rPr lang="pt-BR" sz="3200" b="1" dirty="0">
                 <a:latin typeface="Courier New" charset="0"/>
                 <a:ea typeface="Courier New" charset="0"/>
                 <a:cs typeface="Courier New" charset="0"/>
@@ -7611,7 +7171,7 @@
               <a:t>No Distrito Federal </a:t>
             </a:r>
             <a:r>
-              <a:rPr lang="pt-BR" sz="3200" b="1" dirty="0" err="1" smtClean="0">
+              <a:rPr lang="pt-BR" sz="3200" b="1" dirty="0" err="1">
                 <a:latin typeface="Courier New" charset="0"/>
                 <a:ea typeface="Courier New" charset="0"/>
                 <a:cs typeface="Courier New" charset="0"/>
@@ -7619,7 +7179,7 @@
               <a:t>s</a:t>
             </a:r>
             <a:r>
-              <a:rPr lang="en-US" sz="3200" b="1" dirty="0" err="1" smtClean="0">
+              <a:rPr lang="en-US" sz="3200" b="1" dirty="0" err="1">
                 <a:latin typeface="Courier New" charset="0"/>
                 <a:ea typeface="Courier New" charset="0"/>
                 <a:cs typeface="Courier New" charset="0"/>
@@ -7627,7 +7187,7 @@
               <a:t>ão</a:t>
             </a:r>
             <a:r>
-              <a:rPr lang="en-US" sz="3200" b="1" dirty="0" smtClean="0">
+              <a:rPr lang="en-US" sz="3200" b="1" dirty="0">
                 <a:latin typeface="Courier New" charset="0"/>
                 <a:ea typeface="Courier New" charset="0"/>
                 <a:cs typeface="Courier New" charset="0"/>
@@ -7635,7 +7195,7 @@
               <a:t> </a:t>
             </a:r>
             <a:r>
-              <a:rPr lang="en-US" sz="3200" b="1" dirty="0" err="1" smtClean="0">
+              <a:rPr lang="en-US" sz="3200" b="1" dirty="0" err="1">
                 <a:latin typeface="Courier New" charset="0"/>
                 <a:ea typeface="Courier New" charset="0"/>
                 <a:cs typeface="Courier New" charset="0"/>
@@ -7643,7 +7203,7 @@
               <a:t>gastos</a:t>
             </a:r>
             <a:r>
-              <a:rPr lang="en-US" sz="3200" b="1" dirty="0" smtClean="0">
+              <a:rPr lang="en-US" sz="3200" b="1" dirty="0">
                 <a:latin typeface="Courier New" charset="0"/>
                 <a:ea typeface="Courier New" charset="0"/>
                 <a:cs typeface="Courier New" charset="0"/>
@@ -7651,7 +7211,7 @@
               <a:t> </a:t>
             </a:r>
             <a:r>
-              <a:rPr lang="en-US" sz="3200" b="1" dirty="0" err="1" smtClean="0">
+              <a:rPr lang="en-US" sz="3200" b="1" dirty="0" err="1">
                 <a:latin typeface="Courier New" charset="0"/>
                 <a:ea typeface="Courier New" charset="0"/>
                 <a:cs typeface="Courier New" charset="0"/>
@@ -7659,7 +7219,7 @@
               <a:t>aproximadamente</a:t>
             </a:r>
             <a:r>
-              <a:rPr lang="en-US" sz="3200" b="1" dirty="0" smtClean="0">
+              <a:rPr lang="en-US" sz="3200" b="1" dirty="0">
                 <a:latin typeface="Courier New" charset="0"/>
                 <a:ea typeface="Courier New" charset="0"/>
                 <a:cs typeface="Courier New" charset="0"/>
@@ -7667,7 +7227,7 @@
               <a:t> 500.000.000 de </a:t>
             </a:r>
             <a:r>
-              <a:rPr lang="en-US" sz="3200" b="1" dirty="0" err="1" smtClean="0">
+              <a:rPr lang="en-US" sz="3200" b="1" dirty="0" err="1">
                 <a:latin typeface="Courier New" charset="0"/>
                 <a:ea typeface="Courier New" charset="0"/>
                 <a:cs typeface="Courier New" charset="0"/>
@@ -7675,7 +7235,7 @@
               <a:t>reais</a:t>
             </a:r>
             <a:r>
-              <a:rPr lang="en-US" sz="3200" b="1" dirty="0" smtClean="0">
+              <a:rPr lang="en-US" sz="3200" b="1" dirty="0">
                 <a:latin typeface="Courier New" charset="0"/>
                 <a:ea typeface="Courier New" charset="0"/>
                 <a:cs typeface="Courier New" charset="0"/>
@@ -7683,7 +7243,7 @@
               <a:t> </a:t>
             </a:r>
             <a:r>
-              <a:rPr lang="en-US" sz="3200" b="1" dirty="0" err="1" smtClean="0">
+              <a:rPr lang="en-US" sz="3200" b="1" dirty="0" err="1">
                 <a:latin typeface="Courier New" charset="0"/>
                 <a:ea typeface="Courier New" charset="0"/>
                 <a:cs typeface="Courier New" charset="0"/>
@@ -7691,7 +7251,7 @@
               <a:t>por</a:t>
             </a:r>
             <a:r>
-              <a:rPr lang="en-US" sz="3200" b="1" dirty="0" smtClean="0">
+              <a:rPr lang="en-US" sz="3200" b="1" dirty="0">
                 <a:latin typeface="Courier New" charset="0"/>
                 <a:ea typeface="Courier New" charset="0"/>
                 <a:cs typeface="Courier New" charset="0"/>
@@ -7699,7 +7259,7 @@
               <a:t> </a:t>
             </a:r>
             <a:r>
-              <a:rPr lang="en-US" sz="3200" b="1" dirty="0" err="1" smtClean="0">
+              <a:rPr lang="en-US" sz="3200" b="1" dirty="0" err="1">
                 <a:latin typeface="Courier New" charset="0"/>
                 <a:ea typeface="Courier New" charset="0"/>
                 <a:cs typeface="Courier New" charset="0"/>
@@ -7707,7 +7267,7 @@
               <a:t>ano</a:t>
             </a:r>
             <a:r>
-              <a:rPr lang="en-US" sz="3200" b="1" dirty="0" smtClean="0">
+              <a:rPr lang="en-US" sz="3200" b="1" dirty="0">
                 <a:latin typeface="Courier New" charset="0"/>
                 <a:ea typeface="Courier New" charset="0"/>
                 <a:cs typeface="Courier New" charset="0"/>
@@ -7715,7 +7275,7 @@
               <a:t> </a:t>
             </a:r>
             <a:r>
-              <a:rPr lang="en-US" sz="3200" b="1" dirty="0" err="1" smtClean="0">
+              <a:rPr lang="en-US" sz="3200" b="1" dirty="0" err="1">
                 <a:latin typeface="Courier New" charset="0"/>
                 <a:ea typeface="Courier New" charset="0"/>
                 <a:cs typeface="Courier New" charset="0"/>
@@ -7723,7 +7283,7 @@
               <a:t>em</a:t>
             </a:r>
             <a:r>
-              <a:rPr lang="en-US" sz="3200" b="1" dirty="0" smtClean="0">
+              <a:rPr lang="en-US" sz="3200" b="1" dirty="0">
                 <a:latin typeface="Courier New" charset="0"/>
                 <a:ea typeface="Courier New" charset="0"/>
                 <a:cs typeface="Courier New" charset="0"/>
@@ -7731,7 +7291,7 @@
               <a:t> </a:t>
             </a:r>
             <a:r>
-              <a:rPr lang="en-US" sz="3200" b="1" dirty="0" err="1" smtClean="0">
+              <a:rPr lang="en-US" sz="3200" b="1" dirty="0" err="1">
                 <a:latin typeface="Courier New" charset="0"/>
                 <a:ea typeface="Courier New" charset="0"/>
                 <a:cs typeface="Courier New" charset="0"/>
@@ -7739,7 +7299,7 @@
               <a:t>obras</a:t>
             </a:r>
             <a:r>
-              <a:rPr lang="en-US" sz="3200" b="1" dirty="0" smtClean="0">
+              <a:rPr lang="en-US" sz="3200" b="1" dirty="0">
                 <a:latin typeface="Courier New" charset="0"/>
                 <a:ea typeface="Courier New" charset="0"/>
                 <a:cs typeface="Courier New" charset="0"/>
@@ -7777,7 +7337,7 @@
           <a:lstStyle/>
           <a:p>
             <a:r>
-              <a:rPr lang="pt-BR" sz="2800" dirty="0" smtClean="0">
+              <a:rPr lang="pt-BR" sz="2800" dirty="0">
                 <a:latin typeface="Courier New" charset="0"/>
                 <a:ea typeface="Courier New" charset="0"/>
                 <a:cs typeface="Courier New" charset="0"/>
@@ -7785,7 +7345,7 @@
               <a:t>Desenvolvendo um modelo mais robusto do </a:t>
             </a:r>
             <a:r>
-              <a:rPr lang="pt-BR" sz="2800" dirty="0" err="1" smtClean="0">
+              <a:rPr lang="pt-BR" sz="2800" dirty="0" err="1">
                 <a:latin typeface="Courier New" charset="0"/>
                 <a:ea typeface="Courier New" charset="0"/>
                 <a:cs typeface="Courier New" charset="0"/>
@@ -7793,18 +7353,13 @@
               <a:t>Cerberus</a:t>
             </a:r>
             <a:r>
-              <a:rPr lang="pt-BR" sz="2800" dirty="0" smtClean="0">
+              <a:rPr lang="pt-BR" sz="2800" dirty="0">
                 <a:latin typeface="Courier New" charset="0"/>
                 <a:ea typeface="Courier New" charset="0"/>
                 <a:cs typeface="Courier New" charset="0"/>
               </a:rPr>
               <a:t> economizaria mais de 30% dos gastos.</a:t>
             </a:r>
-            <a:endParaRPr lang="pt-BR" sz="2800" dirty="0">
-              <a:latin typeface="Courier New" charset="0"/>
-              <a:ea typeface="Courier New" charset="0"/>
-              <a:cs typeface="Courier New" charset="0"/>
-            </a:endParaRPr>
           </a:p>
         </p:txBody>
       </p:sp>
@@ -7889,409 +7444,10 @@
   <p:clrMapOvr>
     <a:masterClrMapping/>
   </p:clrMapOvr>
-  <p:timing>
-    <p:tnLst>
-      <p:par>
-        <p:cTn id="1" dur="indefinite" restart="never" nodeType="tmRoot"/>
-      </p:par>
-    </p:tnLst>
-  </p:timing>
 </p:sld>
 </file>
 
-<file path=ppt/slides/slide6.xml><?xml version="1.0" encoding="utf-8"?>
-<p:sld xmlns:a="http://schemas.openxmlformats.org/drawingml/2006/main" xmlns:r="http://schemas.openxmlformats.org/officeDocument/2006/relationships" xmlns:p="http://schemas.openxmlformats.org/presentationml/2006/main">
-  <p:cSld>
-    <p:spTree>
-      <p:nvGrpSpPr>
-        <p:cNvPr id="1" name="Shape 85"/>
-        <p:cNvGrpSpPr/>
-        <p:nvPr/>
-      </p:nvGrpSpPr>
-      <p:grpSpPr>
-        <a:xfrm>
-          <a:off x="0" y="0"/>
-          <a:ext cx="0" cy="0"/>
-          <a:chOff x="0" y="0"/>
-          <a:chExt cx="0" cy="0"/>
-        </a:xfrm>
-      </p:grpSpPr>
-      <p:sp>
-        <p:nvSpPr>
-          <p:cNvPr id="86" name="Google Shape;86;p18"/>
-          <p:cNvSpPr txBox="1">
-            <a:spLocks noGrp="1"/>
-          </p:cNvSpPr>
-          <p:nvPr>
-            <p:ph type="title"/>
-          </p:nvPr>
-        </p:nvSpPr>
-        <p:spPr>
-          <a:xfrm>
-            <a:off x="311699" y="445025"/>
-            <a:ext cx="8226125" cy="572700"/>
-          </a:xfrm>
-          <a:prstGeom prst="rect">
-            <a:avLst/>
-          </a:prstGeom>
-        </p:spPr>
-        <p:txBody>
-          <a:bodyPr spcFirstLastPara="1" wrap="square" lIns="91425" tIns="91425" rIns="91425" bIns="91425" anchor="t" anchorCtr="0">
-            <a:noAutofit/>
-          </a:bodyPr>
-          <a:lstStyle/>
-          <a:p>
-            <a:pPr marL="0" lvl="0" indent="0" algn="ctr" rtl="0">
-              <a:spcBef>
-                <a:spcPts val="0"/>
-              </a:spcBef>
-              <a:spcAft>
-                <a:spcPts val="0"/>
-              </a:spcAft>
-              <a:buNone/>
-            </a:pPr>
-            <a:r>
-              <a:rPr lang="pt-BR" b="1" dirty="0">
-                <a:solidFill>
-                  <a:srgbClr val="FBB040"/>
-                </a:solidFill>
-                <a:latin typeface="Courier New"/>
-                <a:ea typeface="Courier New"/>
-                <a:cs typeface="Courier New"/>
-                <a:sym typeface="Courier New"/>
-              </a:rPr>
-              <a:t>VIABILIDADE </a:t>
-            </a:r>
-            <a:r>
-              <a:rPr lang="pt-BR" b="1" dirty="0" smtClean="0">
-                <a:solidFill>
-                  <a:srgbClr val="FBB040"/>
-                </a:solidFill>
-                <a:latin typeface="Courier New"/>
-                <a:ea typeface="Courier New"/>
-                <a:cs typeface="Courier New"/>
-                <a:sym typeface="Courier New"/>
-              </a:rPr>
-              <a:t>COMERCIAL - Infantil</a:t>
-            </a:r>
-            <a:endParaRPr b="1" dirty="0">
-              <a:solidFill>
-                <a:srgbClr val="FBB040"/>
-              </a:solidFill>
-              <a:latin typeface="Courier New"/>
-              <a:ea typeface="Courier New"/>
-              <a:cs typeface="Courier New"/>
-              <a:sym typeface="Courier New"/>
-            </a:endParaRPr>
-          </a:p>
-        </p:txBody>
-      </p:sp>
-      <p:cxnSp>
-        <p:nvCxnSpPr>
-          <p:cNvPr id="3" name="Conector Reto 2"/>
-          <p:cNvCxnSpPr/>
-          <p:nvPr/>
-        </p:nvCxnSpPr>
-        <p:spPr>
-          <a:xfrm>
-            <a:off x="2732925" y="1017725"/>
-            <a:ext cx="4202131" cy="0"/>
-          </a:xfrm>
-          <a:prstGeom prst="line">
-            <a:avLst/>
-          </a:prstGeom>
-        </p:spPr>
-        <p:style>
-          <a:lnRef idx="1">
-            <a:schemeClr val="accent4"/>
-          </a:lnRef>
-          <a:fillRef idx="0">
-            <a:schemeClr val="accent4"/>
-          </a:fillRef>
-          <a:effectRef idx="0">
-            <a:schemeClr val="accent4"/>
-          </a:effectRef>
-          <a:fontRef idx="minor">
-            <a:schemeClr val="tx1"/>
-          </a:fontRef>
-        </p:style>
-      </p:cxnSp>
-      <p:sp>
-        <p:nvSpPr>
-          <p:cNvPr id="5" name="CaixaDeTexto 4"/>
-          <p:cNvSpPr txBox="1"/>
-          <p:nvPr/>
-        </p:nvSpPr>
-        <p:spPr>
-          <a:xfrm>
-            <a:off x="250055" y="1264980"/>
-            <a:ext cx="8893945" cy="1754326"/>
-          </a:xfrm>
-          <a:prstGeom prst="rect">
-            <a:avLst/>
-          </a:prstGeom>
-          <a:noFill/>
-        </p:spPr>
-        <p:txBody>
-          <a:bodyPr wrap="square" rtlCol="0">
-            <a:spAutoFit/>
-          </a:bodyPr>
-          <a:lstStyle/>
-          <a:p>
-            <a:r>
-              <a:rPr lang="en-US" sz="3600" dirty="0" smtClean="0">
-                <a:latin typeface="Courier New" charset="0"/>
-                <a:ea typeface="Courier New" charset="0"/>
-                <a:cs typeface="Courier New" charset="0"/>
-              </a:rPr>
-              <a:t>O </a:t>
-            </a:r>
-            <a:r>
-              <a:rPr lang="en-US" sz="3600" dirty="0" err="1" smtClean="0">
-                <a:latin typeface="Courier New" charset="0"/>
-                <a:ea typeface="Courier New" charset="0"/>
-                <a:cs typeface="Courier New" charset="0"/>
-              </a:rPr>
-              <a:t>robô</a:t>
-            </a:r>
-            <a:r>
-              <a:rPr lang="en-US" sz="3600" dirty="0" smtClean="0">
-                <a:latin typeface="Courier New" charset="0"/>
-                <a:ea typeface="Courier New" charset="0"/>
-                <a:cs typeface="Courier New" charset="0"/>
-              </a:rPr>
-              <a:t> R2-D2 de Star Wars </a:t>
-            </a:r>
-            <a:r>
-              <a:rPr lang="en-US" sz="3600" dirty="0" err="1" smtClean="0">
-                <a:latin typeface="Courier New" charset="0"/>
-                <a:ea typeface="Courier New" charset="0"/>
-                <a:cs typeface="Courier New" charset="0"/>
-              </a:rPr>
-              <a:t>foi</a:t>
-            </a:r>
-            <a:r>
-              <a:rPr lang="en-US" sz="3600" dirty="0" smtClean="0">
-                <a:latin typeface="Courier New" charset="0"/>
-                <a:ea typeface="Courier New" charset="0"/>
-                <a:cs typeface="Courier New" charset="0"/>
-              </a:rPr>
-              <a:t> um dos </a:t>
-            </a:r>
-            <a:r>
-              <a:rPr lang="en-US" sz="3600" dirty="0" err="1" smtClean="0">
-                <a:latin typeface="Courier New" charset="0"/>
-                <a:ea typeface="Courier New" charset="0"/>
-                <a:cs typeface="Courier New" charset="0"/>
-              </a:rPr>
-              <a:t>brinquedos</a:t>
-            </a:r>
-            <a:r>
-              <a:rPr lang="en-US" sz="3600" dirty="0">
-                <a:latin typeface="Courier New" charset="0"/>
-                <a:ea typeface="Courier New" charset="0"/>
-                <a:cs typeface="Courier New" charset="0"/>
-              </a:rPr>
-              <a:t> </a:t>
-            </a:r>
-            <a:r>
-              <a:rPr lang="en-US" sz="3600" dirty="0" smtClean="0">
-                <a:latin typeface="Courier New" charset="0"/>
-                <a:ea typeface="Courier New" charset="0"/>
-                <a:cs typeface="Courier New" charset="0"/>
-              </a:rPr>
-              <a:t>com </a:t>
-            </a:r>
-            <a:r>
-              <a:rPr lang="en-US" sz="3600" dirty="0" err="1" smtClean="0">
-                <a:latin typeface="Courier New" charset="0"/>
-                <a:ea typeface="Courier New" charset="0"/>
-                <a:cs typeface="Courier New" charset="0"/>
-              </a:rPr>
-              <a:t>maiores</a:t>
-            </a:r>
-            <a:r>
-              <a:rPr lang="en-US" sz="3600" dirty="0" smtClean="0">
-                <a:latin typeface="Courier New" charset="0"/>
-                <a:ea typeface="Courier New" charset="0"/>
-                <a:cs typeface="Courier New" charset="0"/>
-              </a:rPr>
-              <a:t> </a:t>
-            </a:r>
-            <a:r>
-              <a:rPr lang="en-US" sz="3600" dirty="0" err="1" smtClean="0">
-                <a:latin typeface="Courier New" charset="0"/>
-                <a:ea typeface="Courier New" charset="0"/>
-                <a:cs typeface="Courier New" charset="0"/>
-              </a:rPr>
-              <a:t>sucessos</a:t>
-            </a:r>
-            <a:r>
-              <a:rPr lang="en-US" sz="3600" dirty="0" smtClean="0">
-                <a:latin typeface="Courier New" charset="0"/>
-                <a:ea typeface="Courier New" charset="0"/>
-                <a:cs typeface="Courier New" charset="0"/>
-              </a:rPr>
-              <a:t> de </a:t>
-            </a:r>
-            <a:r>
-              <a:rPr lang="en-US" sz="3600" dirty="0" err="1" smtClean="0">
-                <a:latin typeface="Courier New" charset="0"/>
-                <a:ea typeface="Courier New" charset="0"/>
-                <a:cs typeface="Courier New" charset="0"/>
-              </a:rPr>
-              <a:t>vendas</a:t>
-            </a:r>
-            <a:r>
-              <a:rPr lang="en-US" sz="3600" dirty="0" smtClean="0">
-                <a:latin typeface="Courier New" charset="0"/>
-                <a:ea typeface="Courier New" charset="0"/>
-                <a:cs typeface="Courier New" charset="0"/>
-              </a:rPr>
-              <a:t>.</a:t>
-            </a:r>
-            <a:endParaRPr lang="pt-BR" sz="3600" dirty="0">
-              <a:latin typeface="Courier New" charset="0"/>
-              <a:ea typeface="Courier New" charset="0"/>
-              <a:cs typeface="Courier New" charset="0"/>
-            </a:endParaRPr>
-          </a:p>
-        </p:txBody>
-      </p:sp>
-      <p:sp>
-        <p:nvSpPr>
-          <p:cNvPr id="6" name="CaixaDeTexto 5"/>
-          <p:cNvSpPr txBox="1"/>
-          <p:nvPr/>
-        </p:nvSpPr>
-        <p:spPr>
-          <a:xfrm>
-            <a:off x="311699" y="3102174"/>
-            <a:ext cx="8719285" cy="1431161"/>
-          </a:xfrm>
-          <a:prstGeom prst="rect">
-            <a:avLst/>
-          </a:prstGeom>
-          <a:noFill/>
-        </p:spPr>
-        <p:txBody>
-          <a:bodyPr wrap="square" rtlCol="0">
-            <a:spAutoFit/>
-          </a:bodyPr>
-          <a:lstStyle/>
-          <a:p>
-            <a:r>
-              <a:rPr lang="pt-BR" sz="2900" dirty="0" smtClean="0">
-                <a:latin typeface="Courier New" charset="0"/>
-                <a:ea typeface="Courier New" charset="0"/>
-                <a:cs typeface="Courier New" charset="0"/>
-              </a:rPr>
-              <a:t>Partindo disso, almeja-se a comercializa</a:t>
-            </a:r>
-            <a:r>
-              <a:rPr lang="en-US" sz="2900" dirty="0" err="1" smtClean="0">
-                <a:latin typeface="Courier New" charset="0"/>
-                <a:ea typeface="Courier New" charset="0"/>
-                <a:cs typeface="Courier New" charset="0"/>
-              </a:rPr>
-              <a:t>ção</a:t>
-            </a:r>
-            <a:r>
-              <a:rPr lang="en-US" sz="2900" dirty="0" smtClean="0">
-                <a:latin typeface="Courier New" charset="0"/>
-                <a:ea typeface="Courier New" charset="0"/>
-                <a:cs typeface="Courier New" charset="0"/>
-              </a:rPr>
-              <a:t> de um </a:t>
-            </a:r>
-            <a:r>
-              <a:rPr lang="en-US" sz="2900" dirty="0" err="1" smtClean="0">
-                <a:latin typeface="Courier New" charset="0"/>
-                <a:ea typeface="Courier New" charset="0"/>
-                <a:cs typeface="Courier New" charset="0"/>
-              </a:rPr>
-              <a:t>modelo</a:t>
-            </a:r>
-            <a:r>
-              <a:rPr lang="en-US" sz="2900" dirty="0" smtClean="0">
-                <a:latin typeface="Courier New" charset="0"/>
-                <a:ea typeface="Courier New" charset="0"/>
-                <a:cs typeface="Courier New" charset="0"/>
-              </a:rPr>
-              <a:t> do Cerberus </a:t>
-            </a:r>
-            <a:r>
-              <a:rPr lang="en-US" sz="2900" dirty="0" err="1" smtClean="0">
-                <a:latin typeface="Courier New" charset="0"/>
-                <a:ea typeface="Courier New" charset="0"/>
-                <a:cs typeface="Courier New" charset="0"/>
-              </a:rPr>
-              <a:t>viavel</a:t>
-            </a:r>
-            <a:r>
-              <a:rPr lang="en-US" sz="2900" dirty="0" smtClean="0">
-                <a:latin typeface="Courier New" charset="0"/>
-                <a:ea typeface="Courier New" charset="0"/>
-                <a:cs typeface="Courier New" charset="0"/>
-              </a:rPr>
-              <a:t> para a </a:t>
-            </a:r>
-            <a:r>
-              <a:rPr lang="en-US" sz="2900" dirty="0" err="1" smtClean="0">
-                <a:latin typeface="Courier New" charset="0"/>
-                <a:ea typeface="Courier New" charset="0"/>
-                <a:cs typeface="Courier New" charset="0"/>
-              </a:rPr>
-              <a:t>opção</a:t>
-            </a:r>
-            <a:r>
-              <a:rPr lang="en-US" sz="2900" dirty="0" smtClean="0">
-                <a:latin typeface="Courier New" charset="0"/>
-                <a:ea typeface="Courier New" charset="0"/>
-                <a:cs typeface="Courier New" charset="0"/>
-              </a:rPr>
-              <a:t> de </a:t>
-            </a:r>
-            <a:r>
-              <a:rPr lang="en-US" sz="2900" dirty="0" err="1" smtClean="0">
-                <a:latin typeface="Courier New" charset="0"/>
-                <a:ea typeface="Courier New" charset="0"/>
-                <a:cs typeface="Courier New" charset="0"/>
-              </a:rPr>
-              <a:t>venda</a:t>
-            </a:r>
-            <a:r>
-              <a:rPr lang="en-US" sz="2900" dirty="0" smtClean="0">
-                <a:latin typeface="Courier New" charset="0"/>
-                <a:ea typeface="Courier New" charset="0"/>
-                <a:cs typeface="Courier New" charset="0"/>
-              </a:rPr>
-              <a:t>.</a:t>
-            </a:r>
-            <a:endParaRPr lang="pt-BR" sz="2900" dirty="0">
-              <a:latin typeface="Courier New" charset="0"/>
-              <a:ea typeface="Courier New" charset="0"/>
-              <a:cs typeface="Courier New" charset="0"/>
-            </a:endParaRPr>
-          </a:p>
-        </p:txBody>
-      </p:sp>
-    </p:spTree>
-  </p:cSld>
-  <p:clrMapOvr>
-    <a:masterClrMapping/>
-  </p:clrMapOvr>
-  <p:timing>
-    <p:tnLst>
-      <p:par>
-        <p:cTn id="1" dur="indefinite" restart="never" nodeType="tmRoot"/>
-      </p:par>
-    </p:tnLst>
-  </p:timing>
-</p:sld>
-</file>
-
-<file path=ppt/slides/slide7.xml><?xml version="1.0" encoding="utf-8"?>
+<file path=ppt/slides/slide5.xml><?xml version="1.0" encoding="utf-8"?>
 <p:sld xmlns:a="http://schemas.openxmlformats.org/drawingml/2006/main" xmlns:r="http://schemas.openxmlformats.org/officeDocument/2006/relationships" xmlns:p="http://schemas.openxmlformats.org/presentationml/2006/main">
   <p:cSld>
     <p:spTree>
@@ -8352,43 +7508,7 @@
                 <a:cs typeface="Courier New"/>
                 <a:sym typeface="Courier New"/>
               </a:rPr>
-              <a:t>DEMOCRATIZAR </a:t>
-            </a:r>
-            <a:r>
-              <a:rPr lang="pt-BR" b="1" dirty="0" smtClean="0">
-                <a:solidFill>
-                  <a:srgbClr val="FBB040"/>
-                </a:solidFill>
-                <a:latin typeface="Courier New"/>
-                <a:ea typeface="Courier New"/>
-                <a:cs typeface="Courier New"/>
-                <a:sym typeface="Courier New"/>
-              </a:rPr>
-              <a:t>TECNOLOGIA </a:t>
-            </a:r>
-            <a:r>
-              <a:rPr lang="pt-BR" b="1" dirty="0">
-                <a:solidFill>
-                  <a:srgbClr val="FBB040"/>
-                </a:solidFill>
-                <a:latin typeface="Courier New"/>
-                <a:ea typeface="Courier New"/>
-                <a:cs typeface="Courier New"/>
-                <a:sym typeface="Courier New"/>
-              </a:rPr>
-              <a:t>MUDA O </a:t>
-            </a:r>
-            <a:r>
-              <a:rPr lang="pt-BR" b="1" dirty="0" smtClean="0">
-                <a:solidFill>
-                  <a:srgbClr val="FBB040"/>
-                </a:solidFill>
-                <a:latin typeface="Courier New"/>
-                <a:ea typeface="Courier New"/>
-                <a:cs typeface="Courier New"/>
-                <a:sym typeface="Courier New"/>
-              </a:rPr>
-              <a:t>MUNDO.  </a:t>
+              <a:t>DEMOCRATIZAR TECNOLOGIA MUDA O MUNDO.  </a:t>
             </a:r>
             <a:endParaRPr b="1" dirty="0">
               <a:solidFill>
@@ -8445,7 +7565,7 @@
               <a:buNone/>
             </a:pPr>
             <a:r>
-              <a:rPr lang="pt-BR" sz="2800" b="1" dirty="0" smtClean="0">
+              <a:rPr lang="pt-BR" sz="2800" b="1" dirty="0">
                 <a:solidFill>
                   <a:srgbClr val="FBB040"/>
                 </a:solidFill>
